--- a/ppt_output.pptx
+++ b/ppt_output.pptx
@@ -16,7 +16,6 @@
     <p:sldId id="264" r:id="rId10"/>
     <p:sldId id="265" r:id="rId11"/>
     <p:sldId id="266" r:id="rId12"/>
-    <p:sldId id="267" r:id="rId13"/>
   </p:sldIdLst>
   <p:sldSz cx="9144000" cy="5143500" type="screen16x9"/>
   <p:notesSz cx="6858000" cy="9144000"/>
@@ -7276,42 +7275,6 @@
       </p:grpSpPr>
       <p:sp>
         <p:nvSpPr>
-          <p:cNvPr id="2" name="Title 1">
-            <a:extLst>
-              <a:ext uri="{FF2B5EF4-FFF2-40B4-BE49-F238E27FC236}">
-                <a16:creationId xmlns:a16="http://schemas.microsoft.com/office/drawing/2014/main" id="{D8C0FCC9-C3AF-4E08-A905-07A58A845817}"/>
-              </a:ext>
-            </a:extLst>
-          </p:cNvPr>
-          <p:cNvSpPr>
-            <a:spLocks noGrp="1"/>
-          </p:cNvSpPr>
-          <p:nvPr>
-            <p:ph type="title"/>
-          </p:nvPr>
-        </p:nvSpPr>
-        <p:spPr>
-          <a:xfrm>
-            <a:off x="270001" y="270001"/>
-            <a:ext cx="8584622" cy="633629"/>
-          </a:xfrm>
-        </p:spPr>
-        <p:txBody>
-          <a:bodyPr/>
-          <a:lstStyle/>
-          <a:p>
-            <a:pPr lvl="0" indent="0" marL="0">
-              <a:buNone/>
-            </a:pPr>
-            <a:r>
-              <a:rPr/>
-              <a:t>Years of life lost due to substance use</a:t>
-            </a:r>
-          </a:p>
-        </p:txBody>
-      </p:sp>
-      <p:sp>
-        <p:nvSpPr>
           <p:cNvPr id="3" name="Content Placeholder 2">
             <a:extLst>
               <a:ext uri="{FF2B5EF4-FFF2-40B4-BE49-F238E27FC236}">
@@ -7332,45 +7295,14 @@
           <a:lstStyle/>
           <a:p>
             <a:pPr lvl="0" indent="0" marL="0">
+              <a:spcBef>
+                <a:spcPts val="3000"/>
+              </a:spcBef>
               <a:buNone/>
             </a:pPr>
             <a:r>
-              <a:rPr/>
-              <a:t>-Years of life lost (YLL) is a measure of the impact of premature mortality, helpfully defined by Public Health England </a:t>
-            </a:r>
-            <a:r>
-              <a:rPr>
-                <a:hlinkClick r:id="rId2"/>
-              </a:rPr>
-              <a:t>here</a:t>
-            </a:r>
-          </a:p>
-          <a:p>
-            <a:pPr lvl="0" indent="0" marL="0">
-              <a:buNone/>
-            </a:pPr>
-            <a:r>
-              <a:rPr/>
-              <a:t>-Chudasama et al. (2022) investigated five methods for estimating YLL[^2]. The first two methods are feasible with the available data for YLL from drug use and alcohol specific deaths. Only the drug-related YLL could be segmented by geographical estimates of deprivation.</a:t>
-            </a:r>
-          </a:p>
-          <a:p>
-            <a:pPr lvl="0" indent="0" marL="0">
-              <a:buNone/>
-            </a:pPr>
-            <a:r>
-              <a:rPr/>
-              <a:t>-All five methods are detailed in the supplementary PDF </a:t>
-            </a:r>
-            <a:r>
-              <a:rPr>
-                <a:hlinkClick r:id="rId3"/>
-              </a:rPr>
-              <a:t>here</a:t>
-            </a:r>
-            <a:r>
-              <a:rPr/>
-              <a:t>.</a:t>
+              <a:rPr b="1"/>
+              <a:t>References</a:t>
             </a:r>
           </a:p>
         </p:txBody>
@@ -7440,234 +7372,12 @@
           <a:chExt cx="0" cy="0"/>
         </a:xfrm>
       </p:grpSpPr>
-      <mc:AlternateContent xmlns:mc="http://schemas.openxmlformats.org/markup-compatibility/2006">
-        <mc:Choice xmlns:a14="http://schemas.microsoft.com/office/drawing/2010/main" Requires="a14">
-          <p:sp>
-            <p:nvSpPr>
-              <p:cNvPr id="4" name="Text Placeholder 3">
-                <a:extLst>
-                  <a:ext uri="{FF2B5EF4-FFF2-40B4-BE49-F238E27FC236}">
-                    <a16:creationId xmlns:a16="http://schemas.microsoft.com/office/drawing/2014/main" id="{849864E7-4D70-4211-A41C-CD2456D5D5C9}"/>
-                  </a:ext>
-                </a:extLst>
-              </p:cNvPr>
-              <p:cNvSpPr>
-                <a:spLocks noGrp="1"/>
-              </p:cNvSpPr>
-              <p:nvPr>
-                <p:ph hasCustomPrompt="1" idx="2" sz="half" type="body"/>
-              </p:nvPr>
-            </p:nvSpPr>
-            <p:spPr/>
-            <p:txBody>
-              <a:bodyPr/>
-              <a:lstStyle/>
-              <a:p>
-                <a:pPr lvl="0"/>
-                <a:r>
-                  <a:rPr/>
-                  <a:t>The crude expected years of life lost is:</a:t>
-                </a:r>
-              </a:p>
-              <a:p>
-                <a:pPr lvl="0" indent="0" marL="0">
-                  <a:buNone/>
-                </a:pPr>
-                <a14:m>
-                  <m:oMathPara xmlns:m="http://schemas.openxmlformats.org/officeDocument/2006/math">
-                    <m:oMathParaPr>
-                      <m:jc m:val="center"/>
-                    </m:oMathParaPr>
-                    <m:oMath>
-                      <m:r>
-                        <m:t>Y</m:t>
-                      </m:r>
-                      <m:r>
-                        <m:t>L</m:t>
-                      </m:r>
-                      <m:r>
-                        <m:t>L</m:t>
-                      </m:r>
-                      <m:r>
-                        <m:rPr>
-                          <m:sty m:val="p"/>
-                        </m:rPr>
-                        <m:t>=</m:t>
-                      </m:r>
-                      <m:d>
-                        <m:dPr>
-                          <m:begChr m:val="("/>
-                          <m:endChr m:val=")"/>
-                          <m:sepChr m:val=""/>
-                          <m:grow/>
-                        </m:dPr>
-                        <m:e>
-                          <m:sSub>
-                            <m:e>
-                              <m:r>
-                                <m:t>D</m:t>
-                              </m:r>
-                            </m:e>
-                            <m:sub>
-                              <m:r>
-                                <m:t>x</m:t>
-                              </m:r>
-                            </m:sub>
-                          </m:sSub>
-                        </m:e>
-                      </m:d>
-                      <m:d>
-                        <m:dPr>
-                          <m:begChr m:val="("/>
-                          <m:endChr m:val=")"/>
-                          <m:sepChr m:val=""/>
-                          <m:grow/>
-                        </m:dPr>
-                        <m:e>
-                          <m:sSubSup>
-                            <m:e>
-                              <m:r>
-                                <m:t>e</m:t>
-                              </m:r>
-                            </m:e>
-                            <m:sub>
-                              <m:r>
-                                <m:t>x</m:t>
-                              </m:r>
-                            </m:sub>
-                            <m:sup>
-                              <m:r>
-                                <m:t>s</m:t>
-                              </m:r>
-                            </m:sup>
-                          </m:sSubSup>
-                        </m:e>
-                      </m:d>
-                    </m:oMath>
-                  </m:oMathPara>
-                </a14:m>
-              </a:p>
-              <a:p>
-                <a:pPr lvl="0"/>
-                <a:r>
-                  <a:rPr/>
-                  <a:t>Where </a:t>
-                </a:r>
-                <a14:m>
-                  <m:oMath xmlns:m="http://schemas.openxmlformats.org/officeDocument/2006/math">
-                    <m:sSub>
-                      <m:e>
-                        <m:r>
-                          <m:t>D</m:t>
-                        </m:r>
-                      </m:e>
-                      <m:sub>
-                        <m:r>
-                          <m:t>x</m:t>
-                        </m:r>
-                      </m:sub>
-                    </m:sSub>
-                  </m:oMath>
-                </a14:m>
-                <a:r>
-                  <a:rPr/>
-                  <a:t> is the number of deaths and </a:t>
-                </a:r>
-                <a14:m>
-                  <m:oMath xmlns:m="http://schemas.openxmlformats.org/officeDocument/2006/math">
-                    <m:sSubSup>
-                      <m:e>
-                        <m:r>
-                          <m:t>e</m:t>
-                        </m:r>
-                      </m:e>
-                      <m:sub>
-                        <m:r>
-                          <m:t>x</m:t>
-                        </m:r>
-                      </m:sub>
-                      <m:sup>
-                        <m:r>
-                          <m:t>s</m:t>
-                        </m:r>
-                      </m:sup>
-                    </m:sSubSup>
-                  </m:oMath>
-                </a14:m>
-                <a:r>
-                  <a:rPr/>
-                  <a:t> is the standard age of death from the external life expectancy.</a:t>
-                </a:r>
-              </a:p>
-              <a:p>
-                <a:pPr lvl="0"/>
-                <a:r>
-                  <a:rPr/>
-                  <a:t>Total YLL associated with drug use was </a:t>
-                </a:r>
-                <a:r>
-                  <a:rPr b="1"/>
-                  <a:t>215,148</a:t>
-                </a:r>
-                <a:r>
-                  <a:rPr/>
-                  <a:t>.</a:t>
-                </a:r>
-              </a:p>
-              <a:p>
-                <a:pPr lvl="0"/>
-                <a:r>
-                  <a:rPr/>
-                  <a:t>For comparison Heald et al. (2024)[^3] estimated the impact of obesity on YLL in England at 791,689 in 2019.</a:t>
-                </a:r>
-              </a:p>
-              <a:p>
-                <a:pPr lvl="0"/>
-                <a:r>
-                  <a:rPr/>
-                  <a:t>Deaths at ages between 35 and 54 accounted for 60% of the YLL.</a:t>
-                </a:r>
-              </a:p>
-            </p:txBody>
-          </p:sp>
-        </mc:Choice>
-      </mc:AlternateContent>
-      <p:pic>
-        <p:nvPicPr>
-          <p:cNvPr descr="plots/yll_plot_age_group.png" id="0" name="Picture 1"/>
-          <p:cNvPicPr>
-            <a:picLocks noGrp="1" noChangeAspect="1"/>
-          </p:cNvPicPr>
-          <p:nvPr/>
-        </p:nvPicPr>
-        <p:blipFill>
-          <a:blip r:embed="rId2"/>
-          <a:stretch>
-            <a:fillRect/>
-          </a:stretch>
-        </p:blipFill>
-        <p:spPr bwMode="auto">
-          <a:xfrm>
-            <a:off x="3886200" y="787400"/>
-            <a:ext cx="4622800" cy="3556000"/>
-          </a:xfrm>
-          <a:prstGeom prst="rect">
-            <a:avLst/>
-          </a:prstGeom>
-          <a:noFill/>
-          <a:ln w="9525">
-            <a:noFill/>
-            <a:headEnd/>
-            <a:tailEnd/>
-          </a:ln>
-        </p:spPr>
-      </p:pic>
       <p:sp>
         <p:nvSpPr>
-          <p:cNvPr id="7" name="Slide Number Placeholder 6">
-            <a:extLst>
-              <a:ext uri="{FF2B5EF4-FFF2-40B4-BE49-F238E27FC236}">
-                <a16:creationId xmlns:a16="http://schemas.microsoft.com/office/drawing/2014/main" id="{F9A8E4A4-9320-483B-B798-ADCC1CC29F5B}"/>
+          <p:cNvPr id="2" name="Title 1">
+            <a:extLst>
+              <a:ext uri="{FF2B5EF4-FFF2-40B4-BE49-F238E27FC236}">
+                <a16:creationId xmlns:a16="http://schemas.microsoft.com/office/drawing/2014/main" id="{D8C0FCC9-C3AF-4E08-A905-07A58A845817}"/>
               </a:ext>
             </a:extLst>
           </p:cNvPr>
@@ -7675,58 +7385,29 @@
             <a:spLocks noGrp="1"/>
           </p:cNvSpPr>
           <p:nvPr>
-            <p:ph idx="12" sz="quarter" type="sldNum"/>
+            <p:ph type="title"/>
           </p:nvPr>
         </p:nvSpPr>
-        <p:spPr/>
+        <p:spPr>
+          <a:xfrm>
+            <a:off x="270001" y="270001"/>
+            <a:ext cx="8584622" cy="633629"/>
+          </a:xfrm>
+        </p:spPr>
         <p:txBody>
           <a:bodyPr/>
           <a:lstStyle/>
           <a:p>
-            <a:pPr defTabSz="685800"/>
-            <a:fld id="{06A44ADC-FBC0-4698-B0EC-1AD4A4060383}" type="slidenum">
-              <a:rPr lang="en-GB" smtClean="0">
-                <a:solidFill>
-                  <a:prstClr val="black">
-                    <a:tint val="75000"/>
-                  </a:prstClr>
-                </a:solidFill>
-              </a:rPr>
-              <a:pPr defTabSz="685800"/>
-              <a:t>‹#›</a:t>
-            </a:fld>
-            <a:endParaRPr lang="en-GB">
-              <a:solidFill>
-                <a:prstClr val="black">
-                  <a:tint val="75000"/>
-                </a:prstClr>
-              </a:solidFill>
-            </a:endParaRPr>
+            <a:pPr lvl="0" indent="0" marL="0">
+              <a:buNone/>
+            </a:pPr>
+            <a:r>
+              <a:rPr/>
+              <a:t>Notes</a:t>
+            </a:r>
           </a:p>
         </p:txBody>
       </p:sp>
-    </p:spTree>
-  </p:cSld>
-</p:sld>
-</file>
-
-<file path=ppt/slides/slide12.xml><?xml version="1.0" encoding="utf-8"?>
-<p:sld xmlns:a="http://schemas.openxmlformats.org/drawingml/2006/main" xmlns:r="http://schemas.openxmlformats.org/officeDocument/2006/relationships" xmlns:p="http://schemas.openxmlformats.org/presentationml/2006/main">
-  <p:cSld>
-    <p:spTree>
-      <p:nvGrpSpPr>
-        <p:cNvPr id="1" name=""/>
-        <p:cNvGrpSpPr/>
-        <p:nvPr/>
-      </p:nvGrpSpPr>
-      <p:grpSpPr>
-        <a:xfrm>
-          <a:off x="0" y="0"/>
-          <a:ext cx="0" cy="0"/>
-          <a:chOff x="0" y="0"/>
-          <a:chExt cx="0" cy="0"/>
-        </a:xfrm>
-      </p:grpSpPr>
       <p:sp>
         <p:nvSpPr>
           <p:cNvPr id="3" name="Content Placeholder 2">
@@ -7752,46 +7433,90 @@
               <a:buNone/>
             </a:pPr>
             <a:r>
-              <a:rPr/>
-              <a:t> [^1]: The criteria for this classification are described in </a:t>
+              <a:rPr sz="1800"/>
+              <a:t>1. The criteria for this classification are described in </a:t>
             </a:r>
             <a:r>
-              <a:rPr>
+              <a:rPr sz="1800">
                 <a:latin typeface="Courier"/>
               </a:rPr>
               <a:t>Box 2</a:t>
             </a:r>
             <a:r>
-              <a:rPr/>
+              <a:rPr sz="1800"/>
               <a:t> of the </a:t>
             </a:r>
             <a:r>
-              <a:rPr>
+              <a:rPr sz="1800">
                 <a:latin typeface="Courier"/>
               </a:rPr>
               <a:t>Definition</a:t>
             </a:r>
             <a:r>
-              <a:rPr/>
-              <a:t> tab of the latest relese of </a:t>
+              <a:rPr sz="1800"/>
+              <a:t> tab of the latest release of </a:t>
             </a:r>
             <a:r>
-              <a:rPr i="1"/>
+              <a:rPr sz="1800" i="1"/>
               <a:t>Deaths related to drug poisoning, England and Wales</a:t>
             </a:r>
             <a:r>
-              <a:rPr/>
-              <a:t> available </a:t>
+              <a:rPr sz="1800"/>
+              <a:t>. Available </a:t>
             </a:r>
             <a:r>
-              <a:rPr>
+              <a:rPr sz="1800">
                 <a:hlinkClick r:id="rId2"/>
               </a:rPr>
               <a:t>here</a:t>
             </a:r>
             <a:r>
-              <a:rPr/>
-              <a:t>. [^2]: Chudasama, Y.V., Khunti, K., Gillies, C.L., Dhalwani, N.N., Davies, M.J., Yates, T., &amp; Zaccardi, F. (2022). Estimates of years of life lost depended on the method used: tutorial and comparative investigation. Journal of Clinical Epidemiology, 150, pp. 42-50. Available at: https://doi.org/10.1016/j.jclinepi.2022.06.012 [Accessed 6 Nov. 2024]. [^3]: Heald, A., Stedman, M., Fryer, A.A., Davies, M.B., Rutter, M.K., Gibson, J.M. and Whyte, M., 2024. Counting the lifetime cost of obesity: Analysis based on national England data. Diabetes, Obesity and Metabolism, 26(4), pp.1464-1478.</a:t>
+              <a:rPr sz="1800"/>
+              <a:t>.</a:t>
+            </a:r>
+          </a:p>
+          <a:p>
+            <a:pPr lvl="0" indent="0" marL="0">
+              <a:buNone/>
+            </a:pPr>
+            <a:r>
+              <a:rPr sz="1800"/>
+              <a:t>2. Chudasama, Y.V., Khunti, K., Gillies, C.L., Dhalwani, N.N., Davies, M.J., Yates, T., &amp; Zaccardi, F. (2022). Estimates of years of life lost depended on the method used: tutorial and comparative investigation. </a:t>
+            </a:r>
+            <a:r>
+              <a:rPr sz="1800" i="1"/>
+              <a:t>Journal of Clinical Epidemiology</a:t>
+            </a:r>
+            <a:r>
+              <a:rPr sz="1800"/>
+              <a:t>, 150, pp. 42–50. Available at: </a:t>
+            </a:r>
+            <a:r>
+              <a:rPr sz="1800">
+                <a:hlinkClick r:id="rId3"/>
+              </a:rPr>
+              <a:t>https://doi.org/10.1016/j.jclinepi.2022.06.012</a:t>
+            </a:r>
+            <a:r>
+              <a:rPr sz="1800"/>
+              <a:t> [Accessed 6 Nov. 2024].</a:t>
+            </a:r>
+          </a:p>
+          <a:p>
+            <a:pPr lvl="0" indent="0" marL="0">
+              <a:buNone/>
+            </a:pPr>
+            <a:r>
+              <a:rPr sz="1800"/>
+              <a:t>3. Heald, A., Stedman, M., Fryer, A.A., Davies, M.B., Rutter, M.K., Gibson, J.M., &amp; Whyte, M. (2024). Counting the lifetime cost of obesity: Analysis based on national England data. </a:t>
+            </a:r>
+            <a:r>
+              <a:rPr sz="1800" i="1"/>
+              <a:t>Diabetes, Obesity and Metabolism</a:t>
+            </a:r>
+            <a:r>
+              <a:rPr sz="1800"/>
+              <a:t>, 26(4), pp. 1464–1478.</a:t>
             </a:r>
           </a:p>
         </p:txBody>
@@ -7918,12 +7643,30 @@
           <a:bodyPr/>
           <a:lstStyle/>
           <a:p>
-            <a:pPr lvl="0" indent="0" marL="0">
-              <a:buNone/>
-            </a:pPr>
+            <a:pPr lvl="0"/>
             <a:r>
               <a:rPr/>
-              <a:t>The ONS classifies death related to drug poisoning according ICD-10 codes. Certain ICD-10 codes classify a death as a “drug misuse death”[^1]. Each of these requires a specific substance (e.g. heroin) or substance category (e.g. opioids) to be indicated either in the ICD-10 code or on the death certificate.</a:t>
+              <a:t>The ONS classifies death related to drug poisoning according to ICD-10 codes.</a:t>
+            </a:r>
+          </a:p>
+          <a:p>
+            <a:pPr lvl="0"/>
+            <a:r>
+              <a:rPr/>
+              <a:t>Certain ICD-10 codes classify a death as a “drug misuse death”.</a:t>
+            </a:r>
+            <a:r>
+              <a:rPr baseline="30000">
+                <a:hlinkClick r:id="rId2" action="ppaction://hlinksldjump"/>
+              </a:rPr>
+              <a:t>1</a:t>
+            </a:r>
+          </a:p>
+          <a:p>
+            <a:pPr lvl="0"/>
+            <a:r>
+              <a:rPr/>
+              <a:t>Each of these requires a specific substance (e.g. heroin) or substance category (e.g. opioids) to be indicated either in the ICD-10 code or on the death certificate.</a:t>
             </a:r>
           </a:p>
           <a:p>
@@ -7958,10 +7701,10 @@
                 <a:tableStyleId>{5C22544A-7EE6-4342-B048-85BDC9FD1C3A}</a:tableStyleId>
               </a:tblPr>
               <a:tblGrid>
-                <a:gridCol w="1155700"/>
-                <a:gridCol w="1155700"/>
-                <a:gridCol w="1155700"/>
-                <a:gridCol w="1155700"/>
+                <a:gridCol w="1003300"/>
+                <a:gridCol w="1003300"/>
+                <a:gridCol w="1371600"/>
+                <a:gridCol w="1244600"/>
               </a:tblGrid>
               <a:tr h="0">
                 <a:tc>
@@ -8377,7 +8120,7 @@
             <a:pPr lvl="0"/>
             <a:r>
               <a:rPr/>
-              <a:t>Others, coded as accidental/intentional self-poisonings or self-poisonings of unknown intent, will not be classfified as related to drug misuse unless a controlled drug under Misuse of Drugs Act 1971 was mentioned on the death record.</a:t>
+              <a:t>Others, coded as accidental/intentional self-poisonings or self-poisonings of unknown intent, will not be classified as related to drug misuse unless a controlled drug under the Misuse of Drugs Act 1971 was mentioned on the death record.</a:t>
             </a:r>
           </a:p>
           <a:p>
@@ -8646,7 +8389,7 @@
       </p:grpSpPr>
       <p:graphicFrame xmlns:a="http://schemas.openxmlformats.org/drawingml/2006/main" xmlns:r="http://schemas.openxmlformats.org/officeDocument/2006/relationships" xmlns:p="http://schemas.openxmlformats.org/presentationml/2006/main">
         <p:nvGraphicFramePr>
-          <p:cNvPr id="872398292" name=""/>
+          <p:cNvPr id="902269530" name=""/>
           <p:cNvGraphicFramePr>
             <a:graphicFrameLocks noGrp="true"/>
           </p:cNvGraphicFramePr>
@@ -11043,56 +10786,266 @@
           <a:chExt cx="0" cy="0"/>
         </a:xfrm>
       </p:grpSpPr>
+      <mc:AlternateContent xmlns:mc="http://schemas.openxmlformats.org/markup-compatibility/2006">
+        <mc:Choice xmlns:a14="http://schemas.microsoft.com/office/drawing/2010/main" Requires="a14">
+          <p:sp>
+            <p:nvSpPr>
+              <p:cNvPr id="4" name="Text Placeholder 3">
+                <a:extLst>
+                  <a:ext uri="{FF2B5EF4-FFF2-40B4-BE49-F238E27FC236}">
+                    <a16:creationId xmlns:a16="http://schemas.microsoft.com/office/drawing/2014/main" id="{849864E7-4D70-4211-A41C-CD2456D5D5C9}"/>
+                  </a:ext>
+                </a:extLst>
+              </p:cNvPr>
+              <p:cNvSpPr>
+                <a:spLocks noGrp="1"/>
+              </p:cNvSpPr>
+              <p:nvPr>
+                <p:ph hasCustomPrompt="1" idx="2" sz="half" type="body"/>
+              </p:nvPr>
+            </p:nvSpPr>
+            <p:spPr/>
+            <p:txBody>
+              <a:bodyPr/>
+              <a:lstStyle/>
+              <a:p>
+                <a:pPr lvl="0" indent="0" marL="0">
+                  <a:spcBef>
+                    <a:spcPts val="3000"/>
+                  </a:spcBef>
+                  <a:buNone/>
+                </a:pPr>
+                <a:r>
+                  <a:rPr b="1"/>
+                  <a:t>Years of life lost due to substance use</a:t>
+                </a:r>
+              </a:p>
+              <a:p>
+                <a:pPr lvl="0"/>
+                <a:r>
+                  <a:rPr/>
+                  <a:t>Years of life lost (YLL) is a measure of the impact of premature mortality, helpfully defined by Public Health England </a:t>
+                </a:r>
+                <a:r>
+                  <a:rPr>
+                    <a:hlinkClick r:id="rId2"/>
+                  </a:rPr>
+                  <a:t>here</a:t>
+                </a:r>
+                <a:r>
+                  <a:rPr/>
+                  <a:t>.</a:t>
+                </a:r>
+              </a:p>
+              <a:p>
+                <a:pPr lvl="0"/>
+                <a:r>
+                  <a:rPr/>
+                  <a:t>Chudasama et al. (2022) investigated five methods for estimating YLL.</a:t>
+                </a:r>
+                <a:r>
+                  <a:rPr baseline="30000">
+                    <a:hlinkClick r:id="rId3" action="ppaction://hlinksldjump"/>
+                  </a:rPr>
+                  <a:t>2</a:t>
+                </a:r>
+                <a:r>
+                  <a:rPr/>
+                  <a:t> The first two methods are feasible with the available data for YLL from drug use and alcohol-specific deaths. Only the drug-related YLL could be segmented by geographical estimates of deprivation.</a:t>
+                </a:r>
+              </a:p>
+              <a:p>
+                <a:pPr lvl="0"/>
+                <a:r>
+                  <a:rPr/>
+                  <a:t>All five methods are detailed in the supplementary PDF </a:t>
+                </a:r>
+                <a:r>
+                  <a:rPr>
+                    <a:hlinkClick r:id="rId4"/>
+                  </a:rPr>
+                  <a:t>here</a:t>
+                </a:r>
+                <a:r>
+                  <a:rPr/>
+                  <a:t>.</a:t>
+                </a:r>
+              </a:p>
+              <a:p>
+                <a:pPr lvl="0" indent="0" marL="0">
+                  <a:buNone/>
+                </a:pPr>
+                <a:r>
+                  <a:rPr/>
+                  <a:t>The crude expected years of life lost is:</a:t>
+                </a:r>
+              </a:p>
+              <a:p>
+                <a:pPr lvl="0" indent="0" marL="0">
+                  <a:buNone/>
+                </a:pPr>
+                <a14:m>
+                  <m:oMathPara xmlns:m="http://schemas.openxmlformats.org/officeDocument/2006/math">
+                    <m:oMathParaPr>
+                      <m:jc m:val="center"/>
+                    </m:oMathParaPr>
+                    <m:oMath>
+                      <m:r>
+                        <m:t>Y</m:t>
+                      </m:r>
+                      <m:r>
+                        <m:t>L</m:t>
+                      </m:r>
+                      <m:r>
+                        <m:t>L</m:t>
+                      </m:r>
+                      <m:r>
+                        <m:rPr>
+                          <m:sty m:val="p"/>
+                        </m:rPr>
+                        <m:t>=</m:t>
+                      </m:r>
+                      <m:d>
+                        <m:dPr>
+                          <m:begChr m:val="("/>
+                          <m:endChr m:val=")"/>
+                          <m:sepChr m:val=""/>
+                          <m:grow/>
+                        </m:dPr>
+                        <m:e>
+                          <m:sSub>
+                            <m:e>
+                              <m:r>
+                                <m:t>D</m:t>
+                              </m:r>
+                            </m:e>
+                            <m:sub>
+                              <m:r>
+                                <m:t>x</m:t>
+                              </m:r>
+                            </m:sub>
+                          </m:sSub>
+                        </m:e>
+                      </m:d>
+                      <m:d>
+                        <m:dPr>
+                          <m:begChr m:val="("/>
+                          <m:endChr m:val=")"/>
+                          <m:sepChr m:val=""/>
+                          <m:grow/>
+                        </m:dPr>
+                        <m:e>
+                          <m:sSubSup>
+                            <m:e>
+                              <m:r>
+                                <m:t>e</m:t>
+                              </m:r>
+                            </m:e>
+                            <m:sub>
+                              <m:r>
+                                <m:t>x</m:t>
+                              </m:r>
+                            </m:sub>
+                            <m:sup>
+                              <m:r>
+                                <m:t>s</m:t>
+                              </m:r>
+                            </m:sup>
+                          </m:sSubSup>
+                        </m:e>
+                      </m:d>
+                    </m:oMath>
+                  </m:oMathPara>
+                </a14:m>
+              </a:p>
+              <a:p>
+                <a:pPr lvl="0" indent="0" marL="0">
+                  <a:buNone/>
+                </a:pPr>
+                <a:r>
+                  <a:rPr/>
+                  <a:t>Where (D_x) is the number of deaths and (e_{x}^s) is the standard age of death from the external life expectancy.</a:t>
+                </a:r>
+              </a:p>
+              <a:p>
+                <a:pPr lvl="0"/>
+                <a:r>
+                  <a:rPr/>
+                  <a:t>Total YLL associated with drug use was </a:t>
+                </a:r>
+                <a:r>
+                  <a:rPr b="1"/>
+                  <a:t>215,148</a:t>
+                </a:r>
+                <a:r>
+                  <a:rPr/>
+                  <a:t>.</a:t>
+                </a:r>
+              </a:p>
+              <a:p>
+                <a:pPr lvl="0"/>
+                <a:r>
+                  <a:rPr/>
+                  <a:t>For comparison, Heald et al. (2024)</a:t>
+                </a:r>
+                <a:r>
+                  <a:rPr baseline="30000">
+                    <a:hlinkClick r:id="rId5" action="ppaction://hlinksldjump"/>
+                  </a:rPr>
+                  <a:t>3</a:t>
+                </a:r>
+                <a:r>
+                  <a:rPr/>
+                  <a:t> estimated the impact of obesity on YLL in England at 791,689 in 2019.</a:t>
+                </a:r>
+              </a:p>
+              <a:p>
+                <a:pPr lvl="0"/>
+                <a:r>
+                  <a:rPr/>
+                  <a:t>Deaths at ages between 35 and 54 accounted for 60% of the YLL.</a:t>
+                </a:r>
+              </a:p>
+            </p:txBody>
+          </p:sp>
+        </mc:Choice>
+      </mc:AlternateContent>
+      <p:pic>
+        <p:nvPicPr>
+          <p:cNvPr descr="plots/yll_plot_age_group.png" id="0" name="Picture 1"/>
+          <p:cNvPicPr>
+            <a:picLocks noGrp="1" noChangeAspect="1"/>
+          </p:cNvPicPr>
+          <p:nvPr/>
+        </p:nvPicPr>
+        <p:blipFill>
+          <a:blip r:embed="rId6"/>
+          <a:stretch>
+            <a:fillRect/>
+          </a:stretch>
+        </p:blipFill>
+        <p:spPr bwMode="auto">
+          <a:xfrm>
+            <a:off x="3886200" y="787400"/>
+            <a:ext cx="4622800" cy="3556000"/>
+          </a:xfrm>
+          <a:prstGeom prst="rect">
+            <a:avLst/>
+          </a:prstGeom>
+          <a:noFill/>
+          <a:ln w="9525">
+            <a:noFill/>
+            <a:headEnd/>
+            <a:tailEnd/>
+          </a:ln>
+        </p:spPr>
+      </p:pic>
       <p:sp>
         <p:nvSpPr>
-          <p:cNvPr id="3" name="Content Placeholder 2">
-            <a:extLst>
-              <a:ext uri="{FF2B5EF4-FFF2-40B4-BE49-F238E27FC236}">
-                <a16:creationId xmlns:a16="http://schemas.microsoft.com/office/drawing/2014/main" id="{E93FDBA4-4D5B-4377-BB63-5EFB26E87BF2}"/>
-              </a:ext>
-            </a:extLst>
-          </p:cNvPr>
-          <p:cNvSpPr>
-            <a:spLocks noGrp="1"/>
-          </p:cNvSpPr>
-          <p:nvPr>
-            <p:ph idx="1"/>
-          </p:nvPr>
-        </p:nvSpPr>
-        <p:spPr/>
-        <p:txBody>
-          <a:bodyPr/>
-          <a:lstStyle/>
-          <a:p>
-            <a:pPr lvl="0" indent="0" marL="0">
-              <a:spcBef>
-                <a:spcPts val="3000"/>
-              </a:spcBef>
-              <a:buNone/>
-            </a:pPr>
-            <a:r>
-              <a:rPr b="1"/>
-              <a:t>[^2]: This is the first four rows of </a:t>
-            </a:r>
-            <a:r>
-              <a:rPr b="1">
-                <a:latin typeface="Courier"/>
-              </a:rPr>
-              <a:t>Table 11</a:t>
-            </a:r>
-            <a:r>
-              <a:rPr b="1"/>
-              <a:t> in the same release.</a:t>
-            </a:r>
-          </a:p>
-        </p:txBody>
-      </p:sp>
-      <p:sp>
-        <p:nvSpPr>
-          <p:cNvPr id="6" name="Slide Number Placeholder 5">
-            <a:extLst>
-              <a:ext uri="{FF2B5EF4-FFF2-40B4-BE49-F238E27FC236}">
-                <a16:creationId xmlns:a16="http://schemas.microsoft.com/office/drawing/2014/main" id="{C6BF60EB-FBD0-41A4-B8B2-4945FC5CCAF7}"/>
+          <p:cNvPr id="7" name="Slide Number Placeholder 6">
+            <a:extLst>
+              <a:ext uri="{FF2B5EF4-FFF2-40B4-BE49-F238E27FC236}">
+                <a16:creationId xmlns:a16="http://schemas.microsoft.com/office/drawing/2014/main" id="{F9A8E4A4-9320-483B-B798-ADCC1CC29F5B}"/>
               </a:ext>
             </a:extLst>
           </p:cNvPr>
